--- a/一个思路展示.pptx
+++ b/一个思路展示.pptx
@@ -9,11 +9,14 @@
     <p:sldId id="257" r:id="rId4"/>
     <p:sldId id="258" r:id="rId5"/>
     <p:sldId id="259" r:id="rId6"/>
+    <p:sldId id="261" r:id="rId7"/>
+    <p:sldId id="262" r:id="rId8"/>
+    <p:sldId id="260" r:id="rId9"/>
   </p:sldIdLst>
   <p:sldSz cx="12192000" cy="6858000"/>
   <p:notesSz cx="6858000" cy="9144000"/>
   <p:custDataLst>
-    <p:tags r:id="rId10"/>
+    <p:tags r:id="rId13"/>
   </p:custDataLst>
   <p:defaultTextStyle>
     <a:defPPr>
@@ -5708,6 +5711,586 @@
 </p:sld>
 </file>
 
+<file path=ppt/slides/slide5.xml><?xml version="1.0" encoding="utf-8"?>
+<p:sld xmlns:a="http://schemas.openxmlformats.org/drawingml/2006/main" xmlns:r="http://schemas.openxmlformats.org/officeDocument/2006/relationships" xmlns:p="http://schemas.openxmlformats.org/presentationml/2006/main">
+  <p:cSld>
+    <p:spTree>
+      <p:nvGrpSpPr>
+        <p:cNvPr id="1" name=""/>
+        <p:cNvGrpSpPr/>
+        <p:nvPr/>
+      </p:nvGrpSpPr>
+      <p:grpSpPr/>
+      <p:grpSp>
+        <p:nvGrpSpPr>
+          <p:cNvPr id="6" name="组合 5"/>
+          <p:cNvGrpSpPr/>
+          <p:nvPr/>
+        </p:nvGrpSpPr>
+        <p:grpSpPr>
+          <a:xfrm>
+            <a:off x="5129530" y="208280"/>
+            <a:ext cx="7062470" cy="6217920"/>
+            <a:chOff x="1078" y="503"/>
+            <a:chExt cx="11122" cy="9792"/>
+          </a:xfrm>
+        </p:grpSpPr>
+        <p:pic>
+          <p:nvPicPr>
+            <p:cNvPr id="4" name="图片 3"/>
+            <p:cNvPicPr>
+              <a:picLocks noChangeAspect="1"/>
+            </p:cNvPicPr>
+            <p:nvPr/>
+          </p:nvPicPr>
+          <p:blipFill>
+            <a:blip r:embed="rId1"/>
+            <a:stretch>
+              <a:fillRect/>
+            </a:stretch>
+          </p:blipFill>
+          <p:spPr>
+            <a:xfrm>
+              <a:off x="1078" y="503"/>
+              <a:ext cx="11123" cy="9793"/>
+            </a:xfrm>
+            <a:prstGeom prst="rect">
+              <a:avLst/>
+            </a:prstGeom>
+          </p:spPr>
+        </p:pic>
+        <p:sp>
+          <p:nvSpPr>
+            <p:cNvPr id="5" name="矩形 4"/>
+            <p:cNvSpPr/>
+            <p:nvPr/>
+          </p:nvSpPr>
+          <p:spPr>
+            <a:xfrm>
+              <a:off x="1419" y="5443"/>
+              <a:ext cx="5663" cy="1463"/>
+            </a:xfrm>
+            <a:prstGeom prst="rect">
+              <a:avLst/>
+            </a:prstGeom>
+            <a:noFill/>
+            <a:ln w="28575"/>
+            <a:extLst>
+              <a:ext uri="{909E8E84-426E-40DD-AFC4-6F175D3DCCD1}">
+                <a14:hiddenFill xmlns:a14="http://schemas.microsoft.com/office/drawing/2010/main">
+                  <a:solidFill>
+                    <a:schemeClr val="accent1"/>
+                  </a:solidFill>
+                </a14:hiddenFill>
+              </a:ext>
+            </a:extLst>
+          </p:spPr>
+          <p:style>
+            <a:lnRef idx="2">
+              <a:schemeClr val="accent1">
+                <a:lumMod val="75000"/>
+              </a:schemeClr>
+            </a:lnRef>
+            <a:fillRef idx="1">
+              <a:schemeClr val="accent1"/>
+            </a:fillRef>
+            <a:effectRef idx="0">
+              <a:srgbClr val="FFFFFF"/>
+            </a:effectRef>
+            <a:fontRef idx="minor">
+              <a:schemeClr val="lt1"/>
+            </a:fontRef>
+          </p:style>
+          <p:txBody>
+            <a:bodyPr rtlCol="0" anchor="ctr"/>
+            <a:p>
+              <a:pPr algn="ctr"/>
+              <a:endParaRPr lang="zh-CN" altLang="en-US"/>
+            </a:p>
+          </p:txBody>
+        </p:sp>
+      </p:grpSp>
+      <p:sp>
+        <p:nvSpPr>
+          <p:cNvPr id="7" name="文本框 6"/>
+          <p:cNvSpPr txBox="1"/>
+          <p:nvPr/>
+        </p:nvSpPr>
+        <p:spPr>
+          <a:xfrm>
+            <a:off x="315595" y="844550"/>
+            <a:ext cx="4752340" cy="4523105"/>
+          </a:xfrm>
+          <a:prstGeom prst="rect">
+            <a:avLst/>
+          </a:prstGeom>
+          <a:noFill/>
+        </p:spPr>
+        <p:txBody>
+          <a:bodyPr wrap="square" rtlCol="0">
+            <a:spAutoFit/>
+          </a:bodyPr>
+          <a:p>
+            <a:r>
+              <a:rPr lang="zh-CN" altLang="en-US"/>
+              <a:t>情况：</a:t>
+            </a:r>
+            <a:endParaRPr lang="zh-CN" altLang="en-US"/>
+          </a:p>
+          <a:p>
+            <a:r>
+              <a:rPr lang="en-US" altLang="zh-CN"/>
+              <a:t>1. </a:t>
+            </a:r>
+            <a:r>
+              <a:rPr lang="zh-CN" altLang="en-US"/>
+              <a:t>使用一个新的</a:t>
+            </a:r>
+            <a:r>
+              <a:rPr lang="zh-CN" altLang="en-US"/>
+              <a:t>方法</a:t>
+            </a:r>
+            <a:endParaRPr lang="zh-CN" altLang="en-US"/>
+          </a:p>
+          <a:p>
+            <a:r>
+              <a:rPr lang="en-US" altLang="zh-CN"/>
+              <a:t>2. </a:t>
+            </a:r>
+            <a:r>
+              <a:rPr lang="zh-CN" altLang="en-US"/>
+              <a:t>长期来看使用</a:t>
+            </a:r>
+            <a:r>
+              <a:rPr lang="en-US" altLang="zh-CN"/>
+              <a:t>AWS</a:t>
+            </a:r>
+            <a:r>
+              <a:rPr lang="zh-CN" altLang="en-US"/>
+              <a:t>会更好</a:t>
+            </a:r>
+            <a:r>
+              <a:rPr lang="zh-CN" altLang="en-US"/>
+              <a:t>一点</a:t>
+            </a:r>
+            <a:endParaRPr lang="zh-CN" altLang="en-US"/>
+          </a:p>
+          <a:p>
+            <a:r>
+              <a:rPr lang="en-US" altLang="zh-CN"/>
+              <a:t>3. AWS:24</a:t>
+            </a:r>
+            <a:r>
+              <a:rPr lang="zh-CN" altLang="en-US"/>
+              <a:t>或者</a:t>
+            </a:r>
+            <a:r>
+              <a:rPr lang="en-US" altLang="zh-CN"/>
+              <a:t>48</a:t>
+            </a:r>
+            <a:r>
+              <a:rPr lang="zh-CN" altLang="en-US"/>
+              <a:t>看看多少价格（弹性的或者一周</a:t>
+            </a:r>
+            <a:r>
+              <a:rPr lang="zh-CN" altLang="en-US"/>
+              <a:t>的）</a:t>
+            </a:r>
+            <a:endParaRPr lang="zh-CN" altLang="en-US"/>
+          </a:p>
+          <a:p>
+            <a:r>
+              <a:rPr lang="en-US" altLang="zh-CN"/>
+              <a:t>4. </a:t>
+            </a:r>
+            <a:r>
+              <a:rPr lang="zh-CN" altLang="en-US"/>
+              <a:t>珍惜</a:t>
+            </a:r>
+            <a:r>
+              <a:rPr lang="en-US" altLang="zh-CN"/>
+              <a:t>debug</a:t>
+            </a:r>
+            <a:r>
+              <a:rPr lang="zh-CN" altLang="en-US"/>
+              <a:t>的</a:t>
+            </a:r>
+            <a:r>
+              <a:rPr lang="zh-CN" altLang="en-US"/>
+              <a:t>陪伴</a:t>
+            </a:r>
+            <a:endParaRPr lang="zh-CN" altLang="en-US"/>
+          </a:p>
+          <a:p>
+            <a:r>
+              <a:rPr lang="en-US" altLang="zh-CN"/>
+              <a:t>5. </a:t>
+            </a:r>
+            <a:r>
+              <a:rPr lang="zh-CN" altLang="en-US"/>
+              <a:t>自己解决</a:t>
+            </a:r>
+            <a:r>
+              <a:rPr lang="zh-CN" altLang="en-US"/>
+              <a:t>问题</a:t>
+            </a:r>
+            <a:endParaRPr lang="zh-CN" altLang="en-US"/>
+          </a:p>
+          <a:p>
+            <a:r>
+              <a:rPr lang="en-US" altLang="zh-CN"/>
+              <a:t>6. </a:t>
+            </a:r>
+            <a:r>
+              <a:rPr lang="zh-CN" altLang="en-US"/>
+              <a:t>简单、迅速的得到一个</a:t>
+            </a:r>
+            <a:r>
+              <a:rPr lang="en-US" altLang="zh-CN"/>
+              <a:t>baseline</a:t>
+            </a:r>
+            <a:r>
+              <a:rPr lang="zh-CN" altLang="en-US"/>
+              <a:t>的</a:t>
+            </a:r>
+            <a:r>
+              <a:rPr lang="zh-CN" altLang="en-US"/>
+              <a:t>结果</a:t>
+            </a:r>
+            <a:endParaRPr lang="zh-CN" altLang="en-US"/>
+          </a:p>
+          <a:p>
+            <a:pPr indent="457200"/>
+            <a:r>
+              <a:rPr lang="en-US" altLang="zh-CN"/>
+              <a:t>6.1. </a:t>
+            </a:r>
+            <a:r>
+              <a:rPr lang="zh-CN" altLang="en-US"/>
+              <a:t>得到有意义的、可以讨论的</a:t>
+            </a:r>
+            <a:r>
+              <a:rPr lang="zh-CN" altLang="en-US"/>
+              <a:t>结果</a:t>
+            </a:r>
+            <a:endParaRPr lang="zh-CN" altLang="en-US"/>
+          </a:p>
+          <a:p>
+            <a:pPr indent="457200"/>
+            <a:r>
+              <a:rPr lang="en-US" altLang="zh-CN"/>
+              <a:t>6.2. </a:t>
+            </a:r>
+            <a:r>
+              <a:rPr lang="zh-CN" altLang="en-US" b="1"/>
+              <a:t>关注自己的那个任务</a:t>
+            </a:r>
+            <a:endParaRPr lang="zh-CN" altLang="en-US" b="1"/>
+          </a:p>
+          <a:p>
+            <a:pPr indent="457200"/>
+            <a:r>
+              <a:rPr lang="en-US" altLang="zh-CN"/>
+              <a:t>6.3. </a:t>
+            </a:r>
+            <a:r>
+              <a:rPr lang="zh-CN" altLang="en-US"/>
+              <a:t>开会需要有</a:t>
+            </a:r>
+            <a:r>
+              <a:rPr lang="zh-CN" altLang="en-US" b="1"/>
+              <a:t>结果</a:t>
+            </a:r>
+            <a:endParaRPr lang="zh-CN" altLang="en-US" b="1"/>
+          </a:p>
+          <a:p>
+            <a:pPr indent="457200"/>
+            <a:r>
+              <a:rPr lang="en-US" altLang="zh-CN"/>
+              <a:t>6.4. </a:t>
+            </a:r>
+            <a:r>
+              <a:rPr lang="zh-CN" altLang="en-US"/>
+              <a:t>两周，考虑迂回的方法去检验</a:t>
+            </a:r>
+            <a:r>
+              <a:rPr lang="en-US" altLang="zh-CN"/>
+              <a:t>project</a:t>
+            </a:r>
+            <a:r>
+              <a:rPr lang="zh-CN" altLang="en-US"/>
+              <a:t>是不是可行【</a:t>
+            </a:r>
+            <a:r>
+              <a:rPr lang="zh-CN" altLang="en-US">
+                <a:highlight>
+                  <a:srgbClr val="FFFF00"/>
+                </a:highlight>
+              </a:rPr>
+              <a:t>自己提醒自己</a:t>
+            </a:r>
+            <a:r>
+              <a:rPr lang="zh-CN" altLang="en-US"/>
+              <a:t>】</a:t>
+            </a:r>
+            <a:endParaRPr lang="zh-CN" altLang="en-US"/>
+          </a:p>
+          <a:p>
+            <a:r>
+              <a:rPr lang="en-US" altLang="zh-CN"/>
+              <a:t>7. </a:t>
+            </a:r>
+            <a:r>
+              <a:rPr lang="zh-CN" altLang="en-US"/>
+              <a:t>不能复现时候就放弃，就</a:t>
+            </a:r>
+            <a:r>
+              <a:rPr lang="zh-CN" altLang="en-US" b="1"/>
+              <a:t>直接使用自己的方法</a:t>
+            </a:r>
+            <a:endParaRPr lang="zh-CN" altLang="en-US" b="1"/>
+          </a:p>
+          <a:p>
+            <a:r>
+              <a:rPr lang="en-US" altLang="zh-CN" b="1">
+                <a:highlight>
+                  <a:srgbClr val="FFFF00"/>
+                </a:highlight>
+              </a:rPr>
+              <a:t>8. </a:t>
+            </a:r>
+            <a:r>
+              <a:rPr lang="zh-CN" altLang="en-US" b="1">
+                <a:highlight>
+                  <a:srgbClr val="FFFF00"/>
+                </a:highlight>
+              </a:rPr>
+              <a:t>得到自己的结果</a:t>
+            </a:r>
+            <a:endParaRPr lang="zh-CN" altLang="en-US" b="1">
+              <a:highlight>
+                <a:srgbClr val="FFFF00"/>
+              </a:highlight>
+            </a:endParaRPr>
+          </a:p>
+        </p:txBody>
+      </p:sp>
+    </p:spTree>
+  </p:cSld>
+  <p:clrMapOvr>
+    <a:masterClrMapping/>
+  </p:clrMapOvr>
+</p:sld>
+</file>
+
+<file path=ppt/slides/slide6.xml><?xml version="1.0" encoding="utf-8"?>
+<p:sld xmlns:a="http://schemas.openxmlformats.org/drawingml/2006/main" xmlns:r="http://schemas.openxmlformats.org/officeDocument/2006/relationships" xmlns:p="http://schemas.openxmlformats.org/presentationml/2006/main">
+  <p:cSld>
+    <p:spTree>
+      <p:nvGrpSpPr>
+        <p:cNvPr id="1" name=""/>
+        <p:cNvGrpSpPr/>
+        <p:nvPr/>
+      </p:nvGrpSpPr>
+      <p:grpSpPr/>
+      <p:pic>
+        <p:nvPicPr>
+          <p:cNvPr id="4" name="内容占位符 3"/>
+          <p:cNvPicPr>
+            <a:picLocks noChangeAspect="1"/>
+          </p:cNvPicPr>
+          <p:nvPr>
+            <p:ph idx="1"/>
+          </p:nvPr>
+        </p:nvPicPr>
+        <p:blipFill>
+          <a:blip r:embed="rId1"/>
+          <a:stretch>
+            <a:fillRect/>
+          </a:stretch>
+        </p:blipFill>
+        <p:spPr>
+          <a:xfrm>
+            <a:off x="1321435" y="366395"/>
+            <a:ext cx="9548495" cy="6313805"/>
+          </a:xfrm>
+          <a:prstGeom prst="rect">
+            <a:avLst/>
+          </a:prstGeom>
+        </p:spPr>
+      </p:pic>
+    </p:spTree>
+  </p:cSld>
+  <p:clrMapOvr>
+    <a:masterClrMapping/>
+  </p:clrMapOvr>
+</p:sld>
+</file>
+
+<file path=ppt/slides/slide7.xml><?xml version="1.0" encoding="utf-8"?>
+<p:sld xmlns:a="http://schemas.openxmlformats.org/drawingml/2006/main" xmlns:r="http://schemas.openxmlformats.org/officeDocument/2006/relationships" xmlns:p="http://schemas.openxmlformats.org/presentationml/2006/main">
+  <p:cSld>
+    <p:spTree>
+      <p:nvGrpSpPr>
+        <p:cNvPr id="1" name=""/>
+        <p:cNvGrpSpPr/>
+        <p:nvPr/>
+      </p:nvGrpSpPr>
+      <p:grpSpPr/>
+      <p:pic>
+        <p:nvPicPr>
+          <p:cNvPr id="4" name="图片 3"/>
+          <p:cNvPicPr>
+            <a:picLocks noChangeAspect="1"/>
+          </p:cNvPicPr>
+          <p:nvPr/>
+        </p:nvPicPr>
+        <p:blipFill>
+          <a:blip r:embed="rId1"/>
+          <a:stretch>
+            <a:fillRect/>
+          </a:stretch>
+        </p:blipFill>
+        <p:spPr>
+          <a:xfrm>
+            <a:off x="6398260" y="328295"/>
+            <a:ext cx="2844800" cy="5960110"/>
+          </a:xfrm>
+          <a:prstGeom prst="rect">
+            <a:avLst/>
+          </a:prstGeom>
+        </p:spPr>
+      </p:pic>
+      <p:pic>
+        <p:nvPicPr>
+          <p:cNvPr id="5" name="图片 4"/>
+          <p:cNvPicPr>
+            <a:picLocks noChangeAspect="1"/>
+          </p:cNvPicPr>
+          <p:nvPr/>
+        </p:nvPicPr>
+        <p:blipFill>
+          <a:blip r:embed="rId2"/>
+          <a:stretch>
+            <a:fillRect/>
+          </a:stretch>
+        </p:blipFill>
+        <p:spPr>
+          <a:xfrm>
+            <a:off x="1731645" y="189230"/>
+            <a:ext cx="2390140" cy="6360160"/>
+          </a:xfrm>
+          <a:prstGeom prst="rect">
+            <a:avLst/>
+          </a:prstGeom>
+        </p:spPr>
+      </p:pic>
+      <p:sp>
+        <p:nvSpPr>
+          <p:cNvPr id="6" name="矩形 5"/>
+          <p:cNvSpPr/>
+          <p:nvPr/>
+        </p:nvSpPr>
+        <p:spPr>
+          <a:xfrm>
+            <a:off x="1849120" y="1290955"/>
+            <a:ext cx="1049655" cy="260350"/>
+          </a:xfrm>
+          <a:prstGeom prst="rect">
+            <a:avLst/>
+          </a:prstGeom>
+          <a:noFill/>
+          <a:extLst>
+            <a:ext uri="{909E8E84-426E-40DD-AFC4-6F175D3DCCD1}">
+              <a14:hiddenFill xmlns:a14="http://schemas.microsoft.com/office/drawing/2010/main">
+                <a:solidFill>
+                  <a:schemeClr val="accent1"/>
+                </a:solidFill>
+              </a14:hiddenFill>
+            </a:ext>
+          </a:extLst>
+        </p:spPr>
+        <p:style>
+          <a:lnRef idx="2">
+            <a:schemeClr val="accent1">
+              <a:lumMod val="75000"/>
+            </a:schemeClr>
+          </a:lnRef>
+          <a:fillRef idx="1">
+            <a:schemeClr val="accent1"/>
+          </a:fillRef>
+          <a:effectRef idx="0">
+            <a:srgbClr val="FFFFFF"/>
+          </a:effectRef>
+          <a:fontRef idx="minor">
+            <a:schemeClr val="lt1"/>
+          </a:fontRef>
+        </p:style>
+        <p:txBody>
+          <a:bodyPr rtlCol="0" anchor="ctr"/>
+          <a:p>
+            <a:pPr algn="ctr"/>
+            <a:endParaRPr lang="zh-CN" altLang="en-US"/>
+          </a:p>
+        </p:txBody>
+      </p:sp>
+      <p:sp>
+        <p:nvSpPr>
+          <p:cNvPr id="8" name="矩形 7"/>
+          <p:cNvSpPr/>
+          <p:nvPr/>
+        </p:nvSpPr>
+        <p:spPr>
+          <a:xfrm>
+            <a:off x="6398260" y="1699895"/>
+            <a:ext cx="1049655" cy="260350"/>
+          </a:xfrm>
+          <a:prstGeom prst="rect">
+            <a:avLst/>
+          </a:prstGeom>
+          <a:noFill/>
+          <a:extLst>
+            <a:ext uri="{909E8E84-426E-40DD-AFC4-6F175D3DCCD1}">
+              <a14:hiddenFill xmlns:a14="http://schemas.microsoft.com/office/drawing/2010/main">
+                <a:solidFill>
+                  <a:schemeClr val="accent1"/>
+                </a:solidFill>
+              </a14:hiddenFill>
+            </a:ext>
+          </a:extLst>
+        </p:spPr>
+        <p:style>
+          <a:lnRef idx="2">
+            <a:schemeClr val="accent1">
+              <a:lumMod val="75000"/>
+            </a:schemeClr>
+          </a:lnRef>
+          <a:fillRef idx="1">
+            <a:schemeClr val="accent1"/>
+          </a:fillRef>
+          <a:effectRef idx="0">
+            <a:srgbClr val="FFFFFF"/>
+          </a:effectRef>
+          <a:fontRef idx="minor">
+            <a:schemeClr val="lt1"/>
+          </a:fontRef>
+        </p:style>
+        <p:txBody>
+          <a:bodyPr rtlCol="0" anchor="ctr"/>
+          <a:p>
+            <a:pPr algn="ctr"/>
+            <a:endParaRPr lang="zh-CN" altLang="en-US"/>
+          </a:p>
+        </p:txBody>
+      </p:sp>
+    </p:spTree>
+  </p:cSld>
+  <p:clrMapOvr>
+    <a:masterClrMapping/>
+  </p:clrMapOvr>
+</p:sld>
+</file>
+
 <file path=ppt/tags/tag1.xml><?xml version="1.0" encoding="utf-8"?>
 <p:tagLst xmlns:p="http://schemas.openxmlformats.org/presentationml/2006/main">
   <p:tag name="KSO_WM_UNIT_HIGHLIGHT" val="0"/>
